--- a/Documentations/Fedex Presentation.pptx
+++ b/Documentations/Fedex Presentation.pptx
@@ -6365,14 +6365,14 @@
   <p:clrMapOvr>
     <a:masterClrMapping/>
   </p:clrMapOvr>
-  <mc:AlternateContent xmlns:mc="http://schemas.openxmlformats.org/markup-compatibility/2006" xmlns:p14="http://schemas.microsoft.com/office/powerpoint/2010/main">
-    <mc:Choice Requires="p14">
-      <p:transition spd="med" p14:dur="700">
-        <p:fade/>
+  <mc:AlternateContent xmlns:mc="http://schemas.openxmlformats.org/markup-compatibility/2006">
+    <mc:Choice xmlns:p14="http://schemas.microsoft.com/office/powerpoint/2010/main" Requires="p14">
+      <p:transition spd="slow" p14:dur="3400">
+        <p14:reveal/>
       </p:transition>
     </mc:Choice>
-    <mc:Fallback xmlns="">
-      <p:transition spd="med">
+    <mc:Fallback>
+      <p:transition spd="slow">
         <p:fade/>
       </p:transition>
     </mc:Fallback>
@@ -6775,14 +6775,14 @@
   <p:clrMapOvr>
     <a:masterClrMapping/>
   </p:clrMapOvr>
-  <mc:AlternateContent xmlns:mc="http://schemas.openxmlformats.org/markup-compatibility/2006" xmlns:p14="http://schemas.microsoft.com/office/powerpoint/2010/main">
-    <mc:Choice Requires="p14">
-      <p:transition spd="med" p14:dur="700">
-        <p:fade/>
+  <mc:AlternateContent xmlns:mc="http://schemas.openxmlformats.org/markup-compatibility/2006">
+    <mc:Choice xmlns:p14="http://schemas.microsoft.com/office/powerpoint/2010/main" Requires="p14">
+      <p:transition spd="slow" p14:dur="3400">
+        <p14:reveal/>
       </p:transition>
     </mc:Choice>
-    <mc:Fallback xmlns="">
-      <p:transition spd="med">
+    <mc:Fallback>
+      <p:transition spd="slow">
         <p:fade/>
       </p:transition>
     </mc:Fallback>
@@ -7193,14 +7193,14 @@
   <p:clrMapOvr>
     <a:masterClrMapping/>
   </p:clrMapOvr>
-  <mc:AlternateContent xmlns:mc="http://schemas.openxmlformats.org/markup-compatibility/2006" xmlns:p14="http://schemas.microsoft.com/office/powerpoint/2010/main">
-    <mc:Choice Requires="p14">
-      <p:transition spd="med" p14:dur="700">
-        <p:fade/>
+  <mc:AlternateContent xmlns:mc="http://schemas.openxmlformats.org/markup-compatibility/2006">
+    <mc:Choice xmlns:p14="http://schemas.microsoft.com/office/powerpoint/2010/main" Requires="p14">
+      <p:transition spd="slow" p14:dur="3400">
+        <p14:reveal/>
       </p:transition>
     </mc:Choice>
-    <mc:Fallback xmlns="">
-      <p:transition spd="med">
+    <mc:Fallback>
+      <p:transition spd="slow">
         <p:fade/>
       </p:transition>
     </mc:Fallback>
@@ -8354,14 +8354,14 @@
   <p:clrMapOvr>
     <a:masterClrMapping/>
   </p:clrMapOvr>
-  <mc:AlternateContent xmlns:mc="http://schemas.openxmlformats.org/markup-compatibility/2006" xmlns:p14="http://schemas.microsoft.com/office/powerpoint/2010/main">
-    <mc:Choice Requires="p14">
-      <p:transition spd="med" p14:dur="700">
-        <p:fade/>
+  <mc:AlternateContent xmlns:mc="http://schemas.openxmlformats.org/markup-compatibility/2006">
+    <mc:Choice xmlns:p14="http://schemas.microsoft.com/office/powerpoint/2010/main" Requires="p14">
+      <p:transition spd="slow" p14:dur="3400">
+        <p14:reveal/>
       </p:transition>
     </mc:Choice>
-    <mc:Fallback xmlns="">
-      <p:transition spd="med">
+    <mc:Fallback>
+      <p:transition spd="slow">
         <p:fade/>
       </p:transition>
     </mc:Fallback>
@@ -8742,14 +8742,14 @@
   <p:clrMapOvr>
     <a:masterClrMapping/>
   </p:clrMapOvr>
-  <mc:AlternateContent xmlns:mc="http://schemas.openxmlformats.org/markup-compatibility/2006" xmlns:p14="http://schemas.microsoft.com/office/powerpoint/2010/main">
-    <mc:Choice Requires="p14">
-      <p:transition spd="med" p14:dur="700">
-        <p:fade/>
+  <mc:AlternateContent xmlns:mc="http://schemas.openxmlformats.org/markup-compatibility/2006">
+    <mc:Choice xmlns:p14="http://schemas.microsoft.com/office/powerpoint/2010/main" Requires="p14">
+      <p:transition spd="slow" p14:dur="3400">
+        <p14:reveal/>
       </p:transition>
     </mc:Choice>
-    <mc:Fallback xmlns="">
-      <p:transition spd="med">
+    <mc:Fallback>
+      <p:transition spd="slow">
         <p:fade/>
       </p:transition>
     </mc:Fallback>
@@ -9061,14 +9061,14 @@
   <p:clrMapOvr>
     <a:masterClrMapping/>
   </p:clrMapOvr>
-  <mc:AlternateContent xmlns:mc="http://schemas.openxmlformats.org/markup-compatibility/2006" xmlns:p14="http://schemas.microsoft.com/office/powerpoint/2010/main">
-    <mc:Choice Requires="p14">
-      <p:transition spd="med" p14:dur="700">
-        <p:fade/>
+  <mc:AlternateContent xmlns:mc="http://schemas.openxmlformats.org/markup-compatibility/2006">
+    <mc:Choice xmlns:p14="http://schemas.microsoft.com/office/powerpoint/2010/main" Requires="p14">
+      <p:transition spd="slow" p14:dur="3400">
+        <p14:reveal/>
       </p:transition>
     </mc:Choice>
-    <mc:Fallback xmlns="">
-      <p:transition spd="med">
+    <mc:Fallback>
+      <p:transition spd="slow">
         <p:fade/>
       </p:transition>
     </mc:Fallback>
@@ -9471,28 +9471,6 @@
           <a:p>
             <a:r>
               <a:rPr lang="en-US" sz="1100" b="1" dirty="0">
-                <a:solidFill>
-                  <a:schemeClr val="accent4"/>
-                </a:solidFill>
-                <a:effectLst>
-                  <a:outerShdw blurRad="38100" dist="38100" dir="2700000" algn="tl">
-                    <a:srgbClr val="000000">
-                      <a:alpha val="43137"/>
-                    </a:srgbClr>
-                  </a:outerShdw>
-                </a:effectLst>
-              </a:rPr>
-              <a:t>Data Scientist</a:t>
-            </a:r>
-            <a:r>
-              <a:rPr lang="en-US" sz="1100" b="1" dirty="0"/>
-              <a:t> </a:t>
-            </a:r>
-            <a:br>
-              <a:rPr lang="en-US" sz="1100" b="1" dirty="0"/>
-            </a:br>
-            <a:r>
-              <a:rPr lang="en-US" sz="1100" b="1" dirty="0">
                 <a:effectLst>
                   <a:outerShdw blurRad="38100" dist="38100" dir="2700000" algn="tl">
                     <a:srgbClr val="000000">
@@ -9552,7 +9530,7 @@
                   </a:outerShdw>
                 </a:effectLst>
               </a:rPr>
-              <a:t> </a:t>
+              <a:t> lk596@drexel</a:t>
             </a:r>
             <a:r>
               <a:rPr lang="en-US" sz="1100" b="1" dirty="0">
@@ -9564,7 +9542,7 @@
                   </a:extLst>
                 </a:hlinkClick>
               </a:rPr>
-              <a:t>akumar2109@dxc.com</a:t>
+              <a:t>.com</a:t>
             </a:r>
             <a:r>
               <a:rPr lang="en-US" sz="1100" b="1" dirty="0"/>
@@ -9637,25 +9615,6 @@
           <a:bodyPr lIns="91440" rtlCol="0" anchor="ctr"/>
           <a:lstStyle/>
           <a:p>
-            <a:r>
-              <a:rPr lang="en-US" sz="1100" b="1" dirty="0">
-                <a:solidFill>
-                  <a:schemeClr val="accent4"/>
-                </a:solidFill>
-                <a:effectLst>
-                  <a:outerShdw blurRad="38100" dist="38100" dir="2700000" algn="tl">
-                    <a:srgbClr val="000000">
-                      <a:alpha val="43137"/>
-                    </a:srgbClr>
-                  </a:outerShdw>
-                </a:effectLst>
-              </a:rPr>
-              <a:t>Backend Developer</a:t>
-            </a:r>
-            <a:r>
-              <a:rPr lang="en-US" sz="1100" b="1" dirty="0"/>
-              <a:t> </a:t>
-            </a:r>
             <a:br>
               <a:rPr lang="en-US" sz="1100" b="1" dirty="0"/>
             </a:br>
@@ -9692,19 +9651,7 @@
                   </a:outerShdw>
                 </a:effectLst>
               </a:rPr>
-              <a:t> </a:t>
-            </a:r>
-            <a:r>
-              <a:rPr lang="en-US" sz="1100" b="1" dirty="0">
-                <a:hlinkClick r:id="rId3">
-                  <a:extLst>
-                    <a:ext uri="{A12FA001-AC4F-418D-AE19-62706E023703}">
-                      <ahyp:hlinkClr xmlns:ahyp="http://schemas.microsoft.com/office/drawing/2018/hyperlinkcolor" val="tx"/>
-                    </a:ext>
-                  </a:extLst>
-                </a:hlinkClick>
-              </a:rPr>
-              <a:t>dpeddinti@dxc.com</a:t>
+              <a:t> sb4267@drexel.edu</a:t>
             </a:r>
             <a:r>
               <a:rPr lang="en-US" sz="1100" b="1" dirty="0"/>
@@ -9777,21 +9724,6 @@
           <a:bodyPr lIns="91440" rtlCol="0" anchor="ctr"/>
           <a:lstStyle/>
           <a:p>
-            <a:r>
-              <a:rPr lang="en-US" sz="1100" b="1" dirty="0">
-                <a:solidFill>
-                  <a:schemeClr val="accent4"/>
-                </a:solidFill>
-                <a:effectLst>
-                  <a:outerShdw blurRad="38100" dist="38100" dir="2700000" algn="tl">
-                    <a:srgbClr val="000000">
-                      <a:alpha val="43137"/>
-                    </a:srgbClr>
-                  </a:outerShdw>
-                </a:effectLst>
-              </a:rPr>
-              <a:t>UI Developer</a:t>
-            </a:r>
             <a:br>
               <a:rPr lang="en-US" sz="1100" b="1" dirty="0"/>
             </a:br>
@@ -9824,19 +9756,7 @@
                   </a:outerShdw>
                 </a:effectLst>
               </a:rPr>
-              <a:t> </a:t>
-            </a:r>
-            <a:r>
-              <a:rPr lang="en-US" sz="1100" b="1" dirty="0">
-                <a:hlinkClick r:id="rId4">
-                  <a:extLst>
-                    <a:ext uri="{A12FA001-AC4F-418D-AE19-62706E023703}">
-                      <ahyp:hlinkClr xmlns:ahyp="http://schemas.microsoft.com/office/drawing/2018/hyperlinkcolor" val="tx"/>
-                    </a:ext>
-                  </a:extLst>
-                </a:hlinkClick>
-              </a:rPr>
-              <a:t>ffonseca20@dxc.com</a:t>
+              <a:t> rg859@Drexel.edu</a:t>
             </a:r>
             <a:r>
               <a:rPr lang="en-US" sz="1100" b="1" dirty="0"/>
@@ -9909,40 +9829,6 @@
           <a:bodyPr lIns="91440" rtlCol="0" anchor="ctr"/>
           <a:lstStyle/>
           <a:p>
-            <a:r>
-              <a:rPr lang="en-US" sz="1100" b="1" dirty="0">
-                <a:solidFill>
-                  <a:schemeClr val="accent4"/>
-                </a:solidFill>
-                <a:effectLst>
-                  <a:outerShdw blurRad="38100" dist="38100" dir="2700000" algn="tl">
-                    <a:srgbClr val="000000">
-                      <a:alpha val="43137"/>
-                    </a:srgbClr>
-                  </a:outerShdw>
-                </a:effectLst>
-              </a:rPr>
-              <a:t>Developer</a:t>
-            </a:r>
-            <a:r>
-              <a:rPr lang="en-US" sz="1100" b="1" dirty="0"/>
-              <a:t> </a:t>
-            </a:r>
-            <a:r>
-              <a:rPr lang="en-US" sz="1100" b="1" dirty="0">
-                <a:solidFill>
-                  <a:schemeClr val="accent4"/>
-                </a:solidFill>
-                <a:effectLst>
-                  <a:outerShdw blurRad="38100" dist="38100" dir="2700000" algn="tl">
-                    <a:srgbClr val="000000">
-                      <a:alpha val="43137"/>
-                    </a:srgbClr>
-                  </a:outerShdw>
-                </a:effectLst>
-              </a:rPr>
-              <a:t>and Designer</a:t>
-            </a:r>
             <a:br>
               <a:rPr lang="en-US" sz="1100" b="1" dirty="0"/>
             </a:br>
@@ -9975,23 +9861,7 @@
             </a:r>
             <a:r>
               <a:rPr lang="en-US" sz="1100" b="1" dirty="0"/>
-              <a:t> </a:t>
-            </a:r>
-            <a:r>
-              <a:rPr lang="en-US" sz="1100" b="1" dirty="0">
-                <a:hlinkClick r:id="rId5">
-                  <a:extLst>
-                    <a:ext uri="{A12FA001-AC4F-418D-AE19-62706E023703}">
-                      <ahyp:hlinkClr xmlns:ahyp="http://schemas.microsoft.com/office/drawing/2018/hyperlinkcolor" val="tx"/>
-                    </a:ext>
-                  </a:extLst>
-                </a:hlinkClick>
-              </a:rPr>
-              <a:t>achaudhary42@dxc.com</a:t>
-            </a:r>
-            <a:r>
-              <a:rPr lang="en-US" sz="1100" b="1" dirty="0"/>
-              <a:t>  </a:t>
+              <a:t> sa3665@drexel.edu  </a:t>
             </a:r>
             <a:r>
               <a:rPr lang="it-IT" sz="1100" dirty="0">
@@ -10134,7 +10004,7 @@
                 <a:solidFill>
                   <a:schemeClr val="tx1"/>
                 </a:solidFill>
-                <a:hlinkClick r:id="rId6"/>
+                <a:hlinkClick r:id="rId3"/>
               </a:rPr>
               <a:t>Click Here</a:t>
             </a:r>
@@ -10208,7 +10078,7 @@
                 <a:solidFill>
                   <a:schemeClr val="tx1"/>
                 </a:solidFill>
-                <a:hlinkClick r:id="rId7"/>
+                <a:hlinkClick r:id="rId4"/>
               </a:rPr>
               <a:t>Click Here</a:t>
             </a:r>
@@ -10282,7 +10152,7 @@
                 <a:solidFill>
                   <a:schemeClr val="tx1"/>
                 </a:solidFill>
-                <a:hlinkClick r:id="rId7"/>
+                <a:hlinkClick r:id="rId4"/>
               </a:rPr>
               <a:t>Click Here</a:t>
             </a:r>
@@ -10309,7 +10179,7 @@
           <p:nvPr/>
         </p:nvPicPr>
         <p:blipFill>
-          <a:blip r:embed="rId8"/>
+          <a:blip r:embed="rId5"/>
           <a:stretch>
             <a:fillRect/>
           </a:stretch>
@@ -10339,7 +10209,7 @@
           <p:nvPr/>
         </p:nvPicPr>
         <p:blipFill>
-          <a:blip r:embed="rId9"/>
+          <a:blip r:embed="rId6"/>
           <a:stretch>
             <a:fillRect/>
           </a:stretch>
@@ -10369,7 +10239,7 @@
           <p:nvPr/>
         </p:nvPicPr>
         <p:blipFill>
-          <a:blip r:embed="rId10"/>
+          <a:blip r:embed="rId7"/>
           <a:stretch>
             <a:fillRect/>
           </a:stretch>
@@ -10399,7 +10269,7 @@
           <p:nvPr/>
         </p:nvPicPr>
         <p:blipFill>
-          <a:blip r:embed="rId11"/>
+          <a:blip r:embed="rId8"/>
           <a:stretch>
             <a:fillRect/>
           </a:stretch>
@@ -10424,14 +10294,14 @@
   <p:clrMapOvr>
     <a:masterClrMapping/>
   </p:clrMapOvr>
-  <mc:AlternateContent xmlns:mc="http://schemas.openxmlformats.org/markup-compatibility/2006" xmlns:p14="http://schemas.microsoft.com/office/powerpoint/2010/main">
-    <mc:Choice Requires="p14">
-      <p:transition spd="med" p14:dur="700">
-        <p:fade/>
+  <mc:AlternateContent xmlns:mc="http://schemas.openxmlformats.org/markup-compatibility/2006">
+    <mc:Choice xmlns:p14="http://schemas.microsoft.com/office/powerpoint/2010/main" Requires="p14">
+      <p:transition spd="slow" p14:dur="3400">
+        <p14:reveal/>
       </p:transition>
     </mc:Choice>
-    <mc:Fallback xmlns="">
-      <p:transition spd="med">
+    <mc:Fallback>
+      <p:transition spd="slow">
         <p:fade/>
       </p:transition>
     </mc:Fallback>
